--- a/docs/Weather forcast prediction.pptx
+++ b/docs/Weather forcast prediction.pptx
@@ -591,6 +591,10 @@
                 <a:solidFill>
                   <a:schemeClr val="accent1"/>
                 </a:solidFill>
+                <a:latin typeface="Merriweather"/>
+                <a:ea typeface="Merriweather"/>
+                <a:cs typeface="Merriweather"/>
+                <a:sym typeface="Merriweather"/>
               </a:defRPr>
             </a:lvl1pPr>
           </a:lstStyle>
@@ -809,7 +813,12 @@
           <a:bodyPr anchor="b"/>
           <a:lstStyle>
             <a:lvl1pPr>
-              <a:defRPr sz="10000"/>
+              <a:defRPr sz="10000">
+                <a:latin typeface="Merriweather"/>
+                <a:ea typeface="Merriweather"/>
+                <a:cs typeface="Merriweather"/>
+                <a:sym typeface="Merriweather"/>
+              </a:defRPr>
             </a:lvl1pPr>
           </a:lstStyle>
           <a:p>
@@ -1197,6 +1206,10 @@
                 <a:solidFill>
                   <a:schemeClr val="accent1"/>
                 </a:solidFill>
+                <a:latin typeface="Merriweather"/>
+                <a:ea typeface="Merriweather"/>
+                <a:cs typeface="Merriweather"/>
+                <a:sym typeface="Merriweather"/>
               </a:defRPr>
             </a:lvl1pPr>
           </a:lstStyle>
@@ -2032,6 +2045,10 @@
                 <a:solidFill>
                   <a:schemeClr val="accent1"/>
                 </a:solidFill>
+                <a:latin typeface="Merriweather"/>
+                <a:ea typeface="Merriweather"/>
+                <a:cs typeface="Merriweather"/>
+                <a:sym typeface="Merriweather"/>
               </a:defRPr>
             </a:lvl1pPr>
           </a:lstStyle>
@@ -2808,10 +2825,10 @@
             <a:srgbClr val="FFFFFF"/>
           </a:solidFill>
           <a:uFillTx/>
-          <a:latin typeface="Merriweather"/>
-          <a:ea typeface="Merriweather"/>
-          <a:cs typeface="Merriweather"/>
-          <a:sym typeface="Merriweather"/>
+          <a:latin typeface="ヒラギノ明朝 ProN W3"/>
+          <a:ea typeface="ヒラギノ明朝 ProN W3"/>
+          <a:cs typeface="ヒラギノ明朝 ProN W3"/>
+          <a:sym typeface="ヒラギノ明朝 ProN W3"/>
         </a:defRPr>
       </a:lvl1pPr>
       <a:lvl2pPr marL="0" marR="0" indent="0" algn="l" defTabSz="914400" rtl="0" latinLnBrk="0">
@@ -2834,10 +2851,10 @@
             <a:srgbClr val="FFFFFF"/>
           </a:solidFill>
           <a:uFillTx/>
-          <a:latin typeface="Merriweather"/>
-          <a:ea typeface="Merriweather"/>
-          <a:cs typeface="Merriweather"/>
-          <a:sym typeface="Merriweather"/>
+          <a:latin typeface="ヒラギノ明朝 ProN W3"/>
+          <a:ea typeface="ヒラギノ明朝 ProN W3"/>
+          <a:cs typeface="ヒラギノ明朝 ProN W3"/>
+          <a:sym typeface="ヒラギノ明朝 ProN W3"/>
         </a:defRPr>
       </a:lvl2pPr>
       <a:lvl3pPr marL="0" marR="0" indent="0" algn="l" defTabSz="914400" rtl="0" latinLnBrk="0">
@@ -2860,10 +2877,10 @@
             <a:srgbClr val="FFFFFF"/>
           </a:solidFill>
           <a:uFillTx/>
-          <a:latin typeface="Merriweather"/>
-          <a:ea typeface="Merriweather"/>
-          <a:cs typeface="Merriweather"/>
-          <a:sym typeface="Merriweather"/>
+          <a:latin typeface="ヒラギノ明朝 ProN W3"/>
+          <a:ea typeface="ヒラギノ明朝 ProN W3"/>
+          <a:cs typeface="ヒラギノ明朝 ProN W3"/>
+          <a:sym typeface="ヒラギノ明朝 ProN W3"/>
         </a:defRPr>
       </a:lvl3pPr>
       <a:lvl4pPr marL="0" marR="0" indent="0" algn="l" defTabSz="914400" rtl="0" latinLnBrk="0">
@@ -2886,10 +2903,10 @@
             <a:srgbClr val="FFFFFF"/>
           </a:solidFill>
           <a:uFillTx/>
-          <a:latin typeface="Merriweather"/>
-          <a:ea typeface="Merriweather"/>
-          <a:cs typeface="Merriweather"/>
-          <a:sym typeface="Merriweather"/>
+          <a:latin typeface="ヒラギノ明朝 ProN W3"/>
+          <a:ea typeface="ヒラギノ明朝 ProN W3"/>
+          <a:cs typeface="ヒラギノ明朝 ProN W3"/>
+          <a:sym typeface="ヒラギノ明朝 ProN W3"/>
         </a:defRPr>
       </a:lvl4pPr>
       <a:lvl5pPr marL="0" marR="0" indent="0" algn="l" defTabSz="914400" rtl="0" latinLnBrk="0">
@@ -2912,10 +2929,10 @@
             <a:srgbClr val="FFFFFF"/>
           </a:solidFill>
           <a:uFillTx/>
-          <a:latin typeface="Merriweather"/>
-          <a:ea typeface="Merriweather"/>
-          <a:cs typeface="Merriweather"/>
-          <a:sym typeface="Merriweather"/>
+          <a:latin typeface="ヒラギノ明朝 ProN W3"/>
+          <a:ea typeface="ヒラギノ明朝 ProN W3"/>
+          <a:cs typeface="ヒラギノ明朝 ProN W3"/>
+          <a:sym typeface="ヒラギノ明朝 ProN W3"/>
         </a:defRPr>
       </a:lvl5pPr>
       <a:lvl6pPr marL="0" marR="0" indent="0" algn="l" defTabSz="914400" rtl="0" latinLnBrk="0">
@@ -2938,10 +2955,10 @@
             <a:srgbClr val="FFFFFF"/>
           </a:solidFill>
           <a:uFillTx/>
-          <a:latin typeface="Merriweather"/>
-          <a:ea typeface="Merriweather"/>
-          <a:cs typeface="Merriweather"/>
-          <a:sym typeface="Merriweather"/>
+          <a:latin typeface="ヒラギノ明朝 ProN W3"/>
+          <a:ea typeface="ヒラギノ明朝 ProN W3"/>
+          <a:cs typeface="ヒラギノ明朝 ProN W3"/>
+          <a:sym typeface="ヒラギノ明朝 ProN W3"/>
         </a:defRPr>
       </a:lvl6pPr>
       <a:lvl7pPr marL="0" marR="0" indent="0" algn="l" defTabSz="914400" rtl="0" latinLnBrk="0">
@@ -2964,10 +2981,10 @@
             <a:srgbClr val="FFFFFF"/>
           </a:solidFill>
           <a:uFillTx/>
-          <a:latin typeface="Merriweather"/>
-          <a:ea typeface="Merriweather"/>
-          <a:cs typeface="Merriweather"/>
-          <a:sym typeface="Merriweather"/>
+          <a:latin typeface="ヒラギノ明朝 ProN W3"/>
+          <a:ea typeface="ヒラギノ明朝 ProN W3"/>
+          <a:cs typeface="ヒラギノ明朝 ProN W3"/>
+          <a:sym typeface="ヒラギノ明朝 ProN W3"/>
         </a:defRPr>
       </a:lvl7pPr>
       <a:lvl8pPr marL="0" marR="0" indent="0" algn="l" defTabSz="914400" rtl="0" latinLnBrk="0">
@@ -2990,10 +3007,10 @@
             <a:srgbClr val="FFFFFF"/>
           </a:solidFill>
           <a:uFillTx/>
-          <a:latin typeface="Merriweather"/>
-          <a:ea typeface="Merriweather"/>
-          <a:cs typeface="Merriweather"/>
-          <a:sym typeface="Merriweather"/>
+          <a:latin typeface="ヒラギノ明朝 ProN W3"/>
+          <a:ea typeface="ヒラギノ明朝 ProN W3"/>
+          <a:cs typeface="ヒラギノ明朝 ProN W3"/>
+          <a:sym typeface="ヒラギノ明朝 ProN W3"/>
         </a:defRPr>
       </a:lvl8pPr>
       <a:lvl9pPr marL="0" marR="0" indent="0" algn="l" defTabSz="914400" rtl="0" latinLnBrk="0">
@@ -3016,10 +3033,10 @@
             <a:srgbClr val="FFFFFF"/>
           </a:solidFill>
           <a:uFillTx/>
-          <a:latin typeface="Merriweather"/>
-          <a:ea typeface="Merriweather"/>
-          <a:cs typeface="Merriweather"/>
-          <a:sym typeface="Merriweather"/>
+          <a:latin typeface="ヒラギノ明朝 ProN W3"/>
+          <a:ea typeface="ヒラギノ明朝 ProN W3"/>
+          <a:cs typeface="ヒラギノ明朝 ProN W3"/>
+          <a:sym typeface="ヒラギノ明朝 ProN W3"/>
         </a:defRPr>
       </a:lvl9pPr>
     </p:titleStyle>
@@ -3727,16 +3744,7 @@
         </p:spPr>
         <p:txBody>
           <a:bodyPr/>
-          <a:lstStyle>
-            <a:lvl1pPr>
-              <a:defRPr>
-                <a:latin typeface="ヒラギノ明朝 ProN W3"/>
-                <a:ea typeface="ヒラギノ明朝 ProN W3"/>
-                <a:cs typeface="ヒラギノ明朝 ProN W3"/>
-                <a:sym typeface="ヒラギノ明朝 ProN W3"/>
-              </a:defRPr>
-            </a:lvl1pPr>
-          </a:lstStyle>
+          <a:lstStyle/>
           <a:p>
             <a:pPr/>
             <a:r>
@@ -3848,16 +3856,7 @@
               <a:defRPr b="1"/>
             </a:pPr>
             <a:r>
-              <a:t>Partial reason of low accuracy  </a:t>
-            </a:r>
-          </a:p>
-          <a:p>
-            <a:pPr>
-              <a:buChar char="-"/>
-              <a:defRPr b="1"/>
-            </a:pPr>
-            <a:r>
-              <a:t>Compute the frequency with which the prediction matches labels</a:t>
+              <a:t>Partial reason of low accuracy( the frequency with which the prediction matches labels)</a:t>
             </a:r>
           </a:p>
         </p:txBody>
